--- a/Cloud PBX in the real world.pptx
+++ b/Cloud PBX in the real world.pptx
@@ -1,6 +1,6 @@
 
 <file path=ppt/presentation.xml><?xml version="1.0" encoding="utf-8"?>
-<p:presentation xmlns:a="http://schemas.openxmlformats.org/drawingml/2006/main" xmlns:r="http://schemas.openxmlformats.org/officeDocument/2006/relationships" xmlns:p="http://schemas.openxmlformats.org/presentationml/2006/main" saveSubsetFonts="1" autoCompressPictures="0">
+<p:presentation xmlns:a="http://schemas.openxmlformats.org/drawingml/2006/main" xmlns:r="http://schemas.openxmlformats.org/officeDocument/2006/relationships" xmlns:p="http://schemas.openxmlformats.org/presentationml/2006/main" removePersonalInfoOnSave="1" saveSubsetFonts="1" autoCompressPictures="0">
   <p:sldMasterIdLst>
     <p:sldMasterId id="2147483648" r:id="rId1"/>
   </p:sldMasterIdLst>
@@ -161,1032 +161,6 @@
     <p1510:client id="{F5919CE3-7E56-45E7-9457-E7E42FB8E002}" v="8712" dt="2018-06-19T08:18:57.013"/>
   </p1510:revLst>
 </p1510:revInfo>
-</file>
-
-<file path=ppt/changesInfos/changesInfo1.xml><?xml version="1.0" encoding="utf-8"?>
-<pc:chgInfo xmlns:a="http://schemas.openxmlformats.org/drawingml/2006/main" xmlns:r="http://schemas.openxmlformats.org/officeDocument/2006/relationships" xmlns:ac="http://schemas.microsoft.com/office/drawing/2013/main/command" xmlns:pc="http://schemas.microsoft.com/office/powerpoint/2013/main/command">
-  <pc:docChgLst>
-    <pc:chgData name="Ralph Eckhard" userId="9b0f3c94-7df8-4757-837c-712a118d206a" providerId="ADAL" clId="{F5919CE3-7E56-45E7-9457-E7E42FB8E002}"/>
-    <pc:docChg chg="undo redo custSel addSld delSld modSld sldOrd">
-      <pc:chgData name="Ralph Eckhard" userId="9b0f3c94-7df8-4757-837c-712a118d206a" providerId="ADAL" clId="{F5919CE3-7E56-45E7-9457-E7E42FB8E002}" dt="2018-06-19T08:18:57.013" v="8592" actId="20577"/>
-      <pc:docMkLst>
-        <pc:docMk/>
-      </pc:docMkLst>
-      <pc:sldChg chg="modSp">
-        <pc:chgData name="Ralph Eckhard" userId="9b0f3c94-7df8-4757-837c-712a118d206a" providerId="ADAL" clId="{F5919CE3-7E56-45E7-9457-E7E42FB8E002}" dt="2018-06-08T14:20:40.772" v="45" actId="20577"/>
-        <pc:sldMkLst>
-          <pc:docMk/>
-          <pc:sldMk cId="84352743" sldId="263"/>
-        </pc:sldMkLst>
-        <pc:spChg chg="mod">
-          <ac:chgData name="Ralph Eckhard" userId="9b0f3c94-7df8-4757-837c-712a118d206a" providerId="ADAL" clId="{F5919CE3-7E56-45E7-9457-E7E42FB8E002}" dt="2018-06-08T14:20:35.249" v="32" actId="20577"/>
-          <ac:spMkLst>
-            <pc:docMk/>
-            <pc:sldMk cId="84352743" sldId="263"/>
-            <ac:spMk id="4" creationId="{249CFF83-88DD-164F-B90B-2BE32859BCA8}"/>
-          </ac:spMkLst>
-        </pc:spChg>
-        <pc:spChg chg="mod">
-          <ac:chgData name="Ralph Eckhard" userId="9b0f3c94-7df8-4757-837c-712a118d206a" providerId="ADAL" clId="{F5919CE3-7E56-45E7-9457-E7E42FB8E002}" dt="2018-06-08T14:20:40.772" v="45" actId="20577"/>
-          <ac:spMkLst>
-            <pc:docMk/>
-            <pc:sldMk cId="84352743" sldId="263"/>
-            <ac:spMk id="5" creationId="{1753A8DD-D551-F54D-B17B-AFA303812DCB}"/>
-          </ac:spMkLst>
-        </pc:spChg>
-      </pc:sldChg>
-      <pc:sldChg chg="addSp delSp modSp">
-        <pc:chgData name="Ralph Eckhard" userId="9b0f3c94-7df8-4757-837c-712a118d206a" providerId="ADAL" clId="{F5919CE3-7E56-45E7-9457-E7E42FB8E002}" dt="2018-06-08T14:26:24.893" v="311" actId="1076"/>
-        <pc:sldMkLst>
-          <pc:docMk/>
-          <pc:sldMk cId="1186591732" sldId="264"/>
-        </pc:sldMkLst>
-        <pc:spChg chg="mod">
-          <ac:chgData name="Ralph Eckhard" userId="9b0f3c94-7df8-4757-837c-712a118d206a" providerId="ADAL" clId="{F5919CE3-7E56-45E7-9457-E7E42FB8E002}" dt="2018-06-08T14:25:11.428" v="180" actId="20577"/>
-          <ac:spMkLst>
-            <pc:docMk/>
-            <pc:sldMk cId="1186591732" sldId="264"/>
-            <ac:spMk id="5" creationId="{ED102FAE-7887-4E45-ABD6-2AF6C5D422BF}"/>
-          </ac:spMkLst>
-        </pc:spChg>
-        <pc:spChg chg="mod">
-          <ac:chgData name="Ralph Eckhard" userId="9b0f3c94-7df8-4757-837c-712a118d206a" providerId="ADAL" clId="{F5919CE3-7E56-45E7-9457-E7E42FB8E002}" dt="2018-06-08T14:26:24.893" v="311" actId="1076"/>
-          <ac:spMkLst>
-            <pc:docMk/>
-            <pc:sldMk cId="1186591732" sldId="264"/>
-            <ac:spMk id="6" creationId="{E0F7463B-BDDD-1940-9886-00ED0513FD37}"/>
-          </ac:spMkLst>
-        </pc:spChg>
-        <pc:spChg chg="del">
-          <ac:chgData name="Ralph Eckhard" userId="9b0f3c94-7df8-4757-837c-712a118d206a" providerId="ADAL" clId="{F5919CE3-7E56-45E7-9457-E7E42FB8E002}" dt="2018-06-08T14:25:29.397" v="181" actId="1076"/>
-          <ac:spMkLst>
-            <pc:docMk/>
-            <pc:sldMk cId="1186591732" sldId="264"/>
-            <ac:spMk id="7" creationId="{682C6706-CDCF-1948-B1A8-91BEB8F1D58B}"/>
-          </ac:spMkLst>
-        </pc:spChg>
-        <pc:picChg chg="add mod">
-          <ac:chgData name="Ralph Eckhard" userId="9b0f3c94-7df8-4757-837c-712a118d206a" providerId="ADAL" clId="{F5919CE3-7E56-45E7-9457-E7E42FB8E002}" dt="2018-06-08T14:25:33.889" v="182" actId="27614"/>
-          <ac:picMkLst>
-            <pc:docMk/>
-            <pc:sldMk cId="1186591732" sldId="264"/>
-            <ac:picMk id="3" creationId="{730C2D2F-2652-4ED9-AFDB-AA69562D9C0C}"/>
-          </ac:picMkLst>
-        </pc:picChg>
-      </pc:sldChg>
-      <pc:sldChg chg="addSp delSp modSp modNotesTx">
-        <pc:chgData name="Ralph Eckhard" userId="9b0f3c94-7df8-4757-837c-712a118d206a" providerId="ADAL" clId="{F5919CE3-7E56-45E7-9457-E7E42FB8E002}" dt="2018-06-11T19:51:34.034" v="5371" actId="20577"/>
-        <pc:sldMkLst>
-          <pc:docMk/>
-          <pc:sldMk cId="1595667430" sldId="265"/>
-        </pc:sldMkLst>
-        <pc:spChg chg="add del mod">
-          <ac:chgData name="Ralph Eckhard" userId="9b0f3c94-7df8-4757-837c-712a118d206a" providerId="ADAL" clId="{F5919CE3-7E56-45E7-9457-E7E42FB8E002}" dt="2018-06-08T14:45:09.109" v="760" actId="404"/>
-          <ac:spMkLst>
-            <pc:docMk/>
-            <pc:sldMk cId="1595667430" sldId="265"/>
-            <ac:spMk id="2" creationId="{00000000-0000-0000-0000-000000000000}"/>
-          </ac:spMkLst>
-        </pc:spChg>
-        <pc:spChg chg="mod">
-          <ac:chgData name="Ralph Eckhard" userId="9b0f3c94-7df8-4757-837c-712a118d206a" providerId="ADAL" clId="{F5919CE3-7E56-45E7-9457-E7E42FB8E002}" dt="2018-06-08T14:56:12.443" v="1193" actId="208"/>
-          <ac:spMkLst>
-            <pc:docMk/>
-            <pc:sldMk cId="1595667430" sldId="265"/>
-            <ac:spMk id="3" creationId="{00000000-0000-0000-0000-000000000000}"/>
-          </ac:spMkLst>
-        </pc:spChg>
-        <pc:picChg chg="add del mod">
-          <ac:chgData name="Ralph Eckhard" userId="9b0f3c94-7df8-4757-837c-712a118d206a" providerId="ADAL" clId="{F5919CE3-7E56-45E7-9457-E7E42FB8E002}" dt="2018-06-08T14:29:17.717" v="327" actId="208"/>
-          <ac:picMkLst>
-            <pc:docMk/>
-            <pc:sldMk cId="1595667430" sldId="265"/>
-            <ac:picMk id="5" creationId="{38A8FB42-E660-4C1A-A46D-E7C53C67D7DB}"/>
-          </ac:picMkLst>
-        </pc:picChg>
-        <pc:picChg chg="add mod ord">
-          <ac:chgData name="Ralph Eckhard" userId="9b0f3c94-7df8-4757-837c-712a118d206a" providerId="ADAL" clId="{F5919CE3-7E56-45E7-9457-E7E42FB8E002}" dt="2018-06-08T14:55:37.923" v="1191" actId="14100"/>
-          <ac:picMkLst>
-            <pc:docMk/>
-            <pc:sldMk cId="1595667430" sldId="265"/>
-            <ac:picMk id="7" creationId="{20123162-C754-4C1E-B717-B0DD9E674753}"/>
-          </ac:picMkLst>
-        </pc:picChg>
-      </pc:sldChg>
-      <pc:sldChg chg="modSp modNotesTx">
-        <pc:chgData name="Ralph Eckhard" userId="9b0f3c94-7df8-4757-837c-712a118d206a" providerId="ADAL" clId="{F5919CE3-7E56-45E7-9457-E7E42FB8E002}" dt="2018-06-11T20:14:39.354" v="8389" actId="20577"/>
-        <pc:sldMkLst>
-          <pc:docMk/>
-          <pc:sldMk cId="760833162" sldId="266"/>
-        </pc:sldMkLst>
-        <pc:spChg chg="mod">
-          <ac:chgData name="Ralph Eckhard" userId="9b0f3c94-7df8-4757-837c-712a118d206a" providerId="ADAL" clId="{F5919CE3-7E56-45E7-9457-E7E42FB8E002}" dt="2018-06-11T20:14:39.354" v="8389" actId="20577"/>
-          <ac:spMkLst>
-            <pc:docMk/>
-            <pc:sldMk cId="760833162" sldId="266"/>
-            <ac:spMk id="3" creationId="{FF979998-ABBC-9847-858B-66CE93666F20}"/>
-          </ac:spMkLst>
-        </pc:spChg>
-      </pc:sldChg>
-      <pc:sldChg chg="modSp modNotesTx">
-        <pc:chgData name="Ralph Eckhard" userId="9b0f3c94-7df8-4757-837c-712a118d206a" providerId="ADAL" clId="{F5919CE3-7E56-45E7-9457-E7E42FB8E002}" dt="2018-06-11T20:14:02.945" v="8368" actId="20577"/>
-        <pc:sldMkLst>
-          <pc:docMk/>
-          <pc:sldMk cId="264215786" sldId="268"/>
-        </pc:sldMkLst>
-        <pc:spChg chg="mod">
-          <ac:chgData name="Ralph Eckhard" userId="9b0f3c94-7df8-4757-837c-712a118d206a" providerId="ADAL" clId="{F5919CE3-7E56-45E7-9457-E7E42FB8E002}" dt="2018-06-08T14:22:45.682" v="93" actId="20577"/>
-          <ac:spMkLst>
-            <pc:docMk/>
-            <pc:sldMk cId="264215786" sldId="268"/>
-            <ac:spMk id="2" creationId="{00000000-0000-0000-0000-000000000000}"/>
-          </ac:spMkLst>
-        </pc:spChg>
-        <pc:spChg chg="mod">
-          <ac:chgData name="Ralph Eckhard" userId="9b0f3c94-7df8-4757-837c-712a118d206a" providerId="ADAL" clId="{F5919CE3-7E56-45E7-9457-E7E42FB8E002}" dt="2018-06-08T14:22:28.065" v="51" actId="20577"/>
-          <ac:spMkLst>
-            <pc:docMk/>
-            <pc:sldMk cId="264215786" sldId="268"/>
-            <ac:spMk id="3" creationId="{00000000-0000-0000-0000-000000000000}"/>
-          </ac:spMkLst>
-        </pc:spChg>
-        <pc:spChg chg="mod">
-          <ac:chgData name="Ralph Eckhard" userId="9b0f3c94-7df8-4757-837c-712a118d206a" providerId="ADAL" clId="{F5919CE3-7E56-45E7-9457-E7E42FB8E002}" dt="2018-06-08T14:22:32.559" v="65" actId="20577"/>
-          <ac:spMkLst>
-            <pc:docMk/>
-            <pc:sldMk cId="264215786" sldId="268"/>
-            <ac:spMk id="4" creationId="{00000000-0000-0000-0000-000000000000}"/>
-          </ac:spMkLst>
-        </pc:spChg>
-      </pc:sldChg>
-      <pc:sldChg chg="del modNotesTx">
-        <pc:chgData name="Ralph Eckhard" userId="9b0f3c94-7df8-4757-837c-712a118d206a" providerId="ADAL" clId="{F5919CE3-7E56-45E7-9457-E7E42FB8E002}" dt="2018-06-19T08:18:28.963" v="8549" actId="2696"/>
-        <pc:sldMkLst>
-          <pc:docMk/>
-          <pc:sldMk cId="4254932801" sldId="269"/>
-        </pc:sldMkLst>
-      </pc:sldChg>
-      <pc:sldChg chg="modSp add ord modNotesTx">
-        <pc:chgData name="Ralph Eckhard" userId="9b0f3c94-7df8-4757-837c-712a118d206a" providerId="ADAL" clId="{F5919CE3-7E56-45E7-9457-E7E42FB8E002}" dt="2018-06-11T20:11:24.654" v="8298" actId="20577"/>
-        <pc:sldMkLst>
-          <pc:docMk/>
-          <pc:sldMk cId="3009971277" sldId="270"/>
-        </pc:sldMkLst>
-        <pc:spChg chg="mod">
-          <ac:chgData name="Ralph Eckhard" userId="9b0f3c94-7df8-4757-837c-712a118d206a" providerId="ADAL" clId="{F5919CE3-7E56-45E7-9457-E7E42FB8E002}" dt="2018-06-08T14:23:25.640" v="144" actId="20577"/>
-          <ac:spMkLst>
-            <pc:docMk/>
-            <pc:sldMk cId="3009971277" sldId="270"/>
-            <ac:spMk id="2" creationId="{00000000-0000-0000-0000-000000000000}"/>
-          </ac:spMkLst>
-        </pc:spChg>
-        <pc:spChg chg="mod">
-          <ac:chgData name="Ralph Eckhard" userId="9b0f3c94-7df8-4757-837c-712a118d206a" providerId="ADAL" clId="{F5919CE3-7E56-45E7-9457-E7E42FB8E002}" dt="2018-06-08T14:23:03.668" v="94"/>
-          <ac:spMkLst>
-            <pc:docMk/>
-            <pc:sldMk cId="3009971277" sldId="270"/>
-            <ac:spMk id="3" creationId="{00000000-0000-0000-0000-000000000000}"/>
-          </ac:spMkLst>
-        </pc:spChg>
-        <pc:spChg chg="mod">
-          <ac:chgData name="Ralph Eckhard" userId="9b0f3c94-7df8-4757-837c-712a118d206a" providerId="ADAL" clId="{F5919CE3-7E56-45E7-9457-E7E42FB8E002}" dt="2018-06-08T14:23:34.589" v="165" actId="20577"/>
-          <ac:spMkLst>
-            <pc:docMk/>
-            <pc:sldMk cId="3009971277" sldId="270"/>
-            <ac:spMk id="4" creationId="{00000000-0000-0000-0000-000000000000}"/>
-          </ac:spMkLst>
-        </pc:spChg>
-      </pc:sldChg>
-      <pc:sldChg chg="addSp delSp modSp add modNotesTx">
-        <pc:chgData name="Ralph Eckhard" userId="9b0f3c94-7df8-4757-837c-712a118d206a" providerId="ADAL" clId="{F5919CE3-7E56-45E7-9457-E7E42FB8E002}" dt="2018-06-12T18:04:44.491" v="8428" actId="20577"/>
-        <pc:sldMkLst>
-          <pc:docMk/>
-          <pc:sldMk cId="623184119" sldId="271"/>
-        </pc:sldMkLst>
-        <pc:spChg chg="del">
-          <ac:chgData name="Ralph Eckhard" userId="9b0f3c94-7df8-4757-837c-712a118d206a" providerId="ADAL" clId="{F5919CE3-7E56-45E7-9457-E7E42FB8E002}" dt="2018-06-08T14:29:49.652" v="328" actId="3680"/>
-          <ac:spMkLst>
-            <pc:docMk/>
-            <pc:sldMk cId="623184119" sldId="271"/>
-            <ac:spMk id="2" creationId="{00000000-0000-0000-0000-000000000000}"/>
-          </ac:spMkLst>
-        </pc:spChg>
-        <pc:spChg chg="add del mod">
-          <ac:chgData name="Ralph Eckhard" userId="9b0f3c94-7df8-4757-837c-712a118d206a" providerId="ADAL" clId="{F5919CE3-7E56-45E7-9457-E7E42FB8E002}" dt="2018-06-08T14:35:10.391" v="591" actId="11529"/>
-          <ac:spMkLst>
-            <pc:docMk/>
-            <pc:sldMk cId="623184119" sldId="271"/>
-            <ac:spMk id="4" creationId="{E5222148-F689-412A-9157-6CBDE919DF25}"/>
-          </ac:spMkLst>
-        </pc:spChg>
-        <pc:graphicFrameChg chg="add mod modGraphic">
-          <ac:chgData name="Ralph Eckhard" userId="9b0f3c94-7df8-4757-837c-712a118d206a" providerId="ADAL" clId="{F5919CE3-7E56-45E7-9457-E7E42FB8E002}" dt="2018-06-12T18:04:44.491" v="8428" actId="20577"/>
-          <ac:graphicFrameMkLst>
-            <pc:docMk/>
-            <pc:sldMk cId="623184119" sldId="271"/>
-            <ac:graphicFrameMk id="3" creationId="{4A9D35D9-75D5-467A-8B8C-6735C4F838AB}"/>
-          </ac:graphicFrameMkLst>
-        </pc:graphicFrameChg>
-      </pc:sldChg>
-      <pc:sldChg chg="addSp delSp modSp add ord setBg modAnim modNotesTx">
-        <pc:chgData name="Ralph Eckhard" userId="9b0f3c94-7df8-4757-837c-712a118d206a" providerId="ADAL" clId="{F5919CE3-7E56-45E7-9457-E7E42FB8E002}" dt="2018-06-11T20:00:32.491" v="6286" actId="20577"/>
-        <pc:sldMkLst>
-          <pc:docMk/>
-          <pc:sldMk cId="1501326295" sldId="275"/>
-        </pc:sldMkLst>
-        <pc:spChg chg="mod">
-          <ac:chgData name="Ralph Eckhard" userId="9b0f3c94-7df8-4757-837c-712a118d206a" providerId="ADAL" clId="{F5919CE3-7E56-45E7-9457-E7E42FB8E002}" dt="2018-06-10T10:02:59.379" v="2149" actId="1076"/>
-          <ac:spMkLst>
-            <pc:docMk/>
-            <pc:sldMk cId="1501326295" sldId="275"/>
-            <ac:spMk id="2" creationId="{A690E5A0-A489-4D15-A73B-D87C0AEC2C36}"/>
-          </ac:spMkLst>
-        </pc:spChg>
-        <pc:spChg chg="del">
-          <ac:chgData name="Ralph Eckhard" userId="9b0f3c94-7df8-4757-837c-712a118d206a" providerId="ADAL" clId="{F5919CE3-7E56-45E7-9457-E7E42FB8E002}" dt="2018-06-10T09:58:13.202" v="2022" actId="478"/>
-          <ac:spMkLst>
-            <pc:docMk/>
-            <pc:sldMk cId="1501326295" sldId="275"/>
-            <ac:spMk id="3" creationId="{587603AC-40C8-4945-B61C-EBA49B08AF86}"/>
-          </ac:spMkLst>
-        </pc:spChg>
-        <pc:spChg chg="add mod ord">
-          <ac:chgData name="Ralph Eckhard" userId="9b0f3c94-7df8-4757-837c-712a118d206a" providerId="ADAL" clId="{F5919CE3-7E56-45E7-9457-E7E42FB8E002}" dt="2018-06-10T10:33:10.799" v="2258" actId="1076"/>
-          <ac:spMkLst>
-            <pc:docMk/>
-            <pc:sldMk cId="1501326295" sldId="275"/>
-            <ac:spMk id="4" creationId="{6EC25685-46FB-4595-9815-21A7B7612744}"/>
-          </ac:spMkLst>
-        </pc:spChg>
-        <pc:spChg chg="add mod ord">
-          <ac:chgData name="Ralph Eckhard" userId="9b0f3c94-7df8-4757-837c-712a118d206a" providerId="ADAL" clId="{F5919CE3-7E56-45E7-9457-E7E42FB8E002}" dt="2018-06-10T10:05:45.895" v="2177" actId="167"/>
-          <ac:spMkLst>
-            <pc:docMk/>
-            <pc:sldMk cId="1501326295" sldId="275"/>
-            <ac:spMk id="5" creationId="{0774EFBC-6B05-469D-9E0A-9A0B1DEBE6F6}"/>
-          </ac:spMkLst>
-        </pc:spChg>
-        <pc:spChg chg="add mod">
-          <ac:chgData name="Ralph Eckhard" userId="9b0f3c94-7df8-4757-837c-712a118d206a" providerId="ADAL" clId="{F5919CE3-7E56-45E7-9457-E7E42FB8E002}" dt="2018-06-10T10:04:34.374" v="2154" actId="571"/>
-          <ac:spMkLst>
-            <pc:docMk/>
-            <pc:sldMk cId="1501326295" sldId="275"/>
-            <ac:spMk id="8" creationId="{CFB8552A-32B4-462E-A1FB-014D30B9B45B}"/>
-          </ac:spMkLst>
-        </pc:spChg>
-        <pc:spChg chg="add mod">
-          <ac:chgData name="Ralph Eckhard" userId="9b0f3c94-7df8-4757-837c-712a118d206a" providerId="ADAL" clId="{F5919CE3-7E56-45E7-9457-E7E42FB8E002}" dt="2018-06-10T10:31:15.523" v="2187" actId="571"/>
-          <ac:spMkLst>
-            <pc:docMk/>
-            <pc:sldMk cId="1501326295" sldId="275"/>
-            <ac:spMk id="14" creationId="{B1C16B81-DFAF-49F6-93C2-EB9877A0DE54}"/>
-          </ac:spMkLst>
-        </pc:spChg>
-        <pc:spChg chg="add mod">
-          <ac:chgData name="Ralph Eckhard" userId="9b0f3c94-7df8-4757-837c-712a118d206a" providerId="ADAL" clId="{F5919CE3-7E56-45E7-9457-E7E42FB8E002}" dt="2018-06-10T10:31:19.814" v="2189" actId="571"/>
-          <ac:spMkLst>
-            <pc:docMk/>
-            <pc:sldMk cId="1501326295" sldId="275"/>
-            <ac:spMk id="16" creationId="{6B2C03A1-EC2C-426E-8E87-5CE0CDE1BE8F}"/>
-          </ac:spMkLst>
-        </pc:spChg>
-        <pc:spChg chg="add del mod">
-          <ac:chgData name="Ralph Eckhard" userId="9b0f3c94-7df8-4757-837c-712a118d206a" providerId="ADAL" clId="{F5919CE3-7E56-45E7-9457-E7E42FB8E002}" dt="2018-06-10T10:33:11.485" v="2259" actId="1076"/>
-          <ac:spMkLst>
-            <pc:docMk/>
-            <pc:sldMk cId="1501326295" sldId="275"/>
-            <ac:spMk id="20" creationId="{84CF9E0F-CA09-4E8A-B220-0895B5AA5127}"/>
-          </ac:spMkLst>
-        </pc:spChg>
-        <pc:spChg chg="add del">
-          <ac:chgData name="Ralph Eckhard" userId="9b0f3c94-7df8-4757-837c-712a118d206a" providerId="ADAL" clId="{F5919CE3-7E56-45E7-9457-E7E42FB8E002}" dt="2018-06-10T10:33:47.593" v="2267" actId="1076"/>
-          <ac:spMkLst>
-            <pc:docMk/>
-            <pc:sldMk cId="1501326295" sldId="275"/>
-            <ac:spMk id="21" creationId="{51FE4DEC-CE99-4645-97E7-4C55ED7F60D5}"/>
-          </ac:spMkLst>
-        </pc:spChg>
-        <pc:spChg chg="add mod">
-          <ac:chgData name="Ralph Eckhard" userId="9b0f3c94-7df8-4757-837c-712a118d206a" providerId="ADAL" clId="{F5919CE3-7E56-45E7-9457-E7E42FB8E002}" dt="2018-06-10T10:37:23.299" v="2320" actId="404"/>
-          <ac:spMkLst>
-            <pc:docMk/>
-            <pc:sldMk cId="1501326295" sldId="275"/>
-            <ac:spMk id="27" creationId="{3E34DDA4-E834-4E24-A22D-3E48110B88BC}"/>
-          </ac:spMkLst>
-        </pc:spChg>
-        <pc:spChg chg="add mod">
-          <ac:chgData name="Ralph Eckhard" userId="9b0f3c94-7df8-4757-837c-712a118d206a" providerId="ADAL" clId="{F5919CE3-7E56-45E7-9457-E7E42FB8E002}" dt="2018-06-10T10:38:01.232" v="2326" actId="1076"/>
-          <ac:spMkLst>
-            <pc:docMk/>
-            <pc:sldMk cId="1501326295" sldId="275"/>
-            <ac:spMk id="28" creationId="{9D1B5624-A87E-401C-AB50-80FB3DB0E4EC}"/>
-          </ac:spMkLst>
-        </pc:spChg>
-        <pc:spChg chg="add mod">
-          <ac:chgData name="Ralph Eckhard" userId="9b0f3c94-7df8-4757-837c-712a118d206a" providerId="ADAL" clId="{F5919CE3-7E56-45E7-9457-E7E42FB8E002}" dt="2018-06-10T10:39:16.500" v="2393" actId="1076"/>
-          <ac:spMkLst>
-            <pc:docMk/>
-            <pc:sldMk cId="1501326295" sldId="275"/>
-            <ac:spMk id="29" creationId="{247BCA63-C759-45BA-AB41-29CF00F18B0E}"/>
-          </ac:spMkLst>
-        </pc:spChg>
-        <pc:spChg chg="add mod">
-          <ac:chgData name="Ralph Eckhard" userId="9b0f3c94-7df8-4757-837c-712a118d206a" providerId="ADAL" clId="{F5919CE3-7E56-45E7-9457-E7E42FB8E002}" dt="2018-06-10T10:39:11.073" v="2392" actId="1076"/>
-          <ac:spMkLst>
-            <pc:docMk/>
-            <pc:sldMk cId="1501326295" sldId="275"/>
-            <ac:spMk id="30" creationId="{AA35552D-293A-4925-A2CE-268D97FF73A1}"/>
-          </ac:spMkLst>
-        </pc:spChg>
-        <pc:spChg chg="add mod">
-          <ac:chgData name="Ralph Eckhard" userId="9b0f3c94-7df8-4757-837c-712a118d206a" providerId="ADAL" clId="{F5919CE3-7E56-45E7-9457-E7E42FB8E002}" dt="2018-06-10T10:39:52.105" v="2411" actId="1076"/>
-          <ac:spMkLst>
-            <pc:docMk/>
-            <pc:sldMk cId="1501326295" sldId="275"/>
-            <ac:spMk id="31" creationId="{931AB198-3C4C-4869-BB07-0F93B89A32F5}"/>
-          </ac:spMkLst>
-        </pc:spChg>
-        <pc:spChg chg="add mod">
-          <ac:chgData name="Ralph Eckhard" userId="9b0f3c94-7df8-4757-837c-712a118d206a" providerId="ADAL" clId="{F5919CE3-7E56-45E7-9457-E7E42FB8E002}" dt="2018-06-10T10:42:56.334" v="2443" actId="1076"/>
-          <ac:spMkLst>
-            <pc:docMk/>
-            <pc:sldMk cId="1501326295" sldId="275"/>
-            <ac:spMk id="32" creationId="{5820079C-25FF-4A84-BC36-C3F051480764}"/>
-          </ac:spMkLst>
-        </pc:spChg>
-        <pc:graphicFrameChg chg="add mod modGraphic">
-          <ac:chgData name="Ralph Eckhard" userId="9b0f3c94-7df8-4757-837c-712a118d206a" providerId="ADAL" clId="{F5919CE3-7E56-45E7-9457-E7E42FB8E002}" dt="2018-06-10T10:36:49.556" v="2279" actId="1076"/>
-          <ac:graphicFrameMkLst>
-            <pc:docMk/>
-            <pc:sldMk cId="1501326295" sldId="275"/>
-            <ac:graphicFrameMk id="26" creationId="{32B5C923-7494-4E1C-A055-2D4C2ADE01B6}"/>
-          </ac:graphicFrameMkLst>
-        </pc:graphicFrameChg>
-        <pc:picChg chg="add mod">
-          <ac:chgData name="Ralph Eckhard" userId="9b0f3c94-7df8-4757-837c-712a118d206a" providerId="ADAL" clId="{F5919CE3-7E56-45E7-9457-E7E42FB8E002}" dt="2018-06-10T10:04:41.450" v="2155" actId="14100"/>
-          <ac:picMkLst>
-            <pc:docMk/>
-            <pc:sldMk cId="1501326295" sldId="275"/>
-            <ac:picMk id="7" creationId="{58ACEAEA-109B-491C-9039-055838053761}"/>
-          </ac:picMkLst>
-        </pc:picChg>
-        <pc:picChg chg="add mod">
-          <ac:chgData name="Ralph Eckhard" userId="9b0f3c94-7df8-4757-837c-712a118d206a" providerId="ADAL" clId="{F5919CE3-7E56-45E7-9457-E7E42FB8E002}" dt="2018-06-10T10:04:34.374" v="2154" actId="571"/>
-          <ac:picMkLst>
-            <pc:docMk/>
-            <pc:sldMk cId="1501326295" sldId="275"/>
-            <ac:picMk id="9" creationId="{788B474C-C646-4B55-B228-3D3B4AC4B01F}"/>
-          </ac:picMkLst>
-        </pc:picChg>
-        <pc:picChg chg="add mod">
-          <ac:chgData name="Ralph Eckhard" userId="9b0f3c94-7df8-4757-837c-712a118d206a" providerId="ADAL" clId="{F5919CE3-7E56-45E7-9457-E7E42FB8E002}" dt="2018-06-10T10:04:46.009" v="2156" actId="571"/>
-          <ac:picMkLst>
-            <pc:docMk/>
-            <pc:sldMk cId="1501326295" sldId="275"/>
-            <ac:picMk id="10" creationId="{6C6A2B98-9579-4A03-8DF4-3E8020CFADD7}"/>
-          </ac:picMkLst>
-        </pc:picChg>
-        <pc:picChg chg="add mod">
-          <ac:chgData name="Ralph Eckhard" userId="9b0f3c94-7df8-4757-837c-712a118d206a" providerId="ADAL" clId="{F5919CE3-7E56-45E7-9457-E7E42FB8E002}" dt="2018-06-10T10:30:39.616" v="2181" actId="1076"/>
-          <ac:picMkLst>
-            <pc:docMk/>
-            <pc:sldMk cId="1501326295" sldId="275"/>
-            <ac:picMk id="11" creationId="{F66A63F6-2AA5-462F-BBCD-2527E5D8F646}"/>
-          </ac:picMkLst>
-        </pc:picChg>
-        <pc:picChg chg="add mod">
-          <ac:chgData name="Ralph Eckhard" userId="9b0f3c94-7df8-4757-837c-712a118d206a" providerId="ADAL" clId="{F5919CE3-7E56-45E7-9457-E7E42FB8E002}" dt="2018-06-10T10:31:01.302" v="2184" actId="14100"/>
-          <ac:picMkLst>
-            <pc:docMk/>
-            <pc:sldMk cId="1501326295" sldId="275"/>
-            <ac:picMk id="12" creationId="{99043F42-62E2-4D9E-89FD-39D1AB4C1E24}"/>
-          </ac:picMkLst>
-        </pc:picChg>
-        <pc:picChg chg="add mod">
-          <ac:chgData name="Ralph Eckhard" userId="9b0f3c94-7df8-4757-837c-712a118d206a" providerId="ADAL" clId="{F5919CE3-7E56-45E7-9457-E7E42FB8E002}" dt="2018-06-10T10:31:05.160" v="2185" actId="571"/>
-          <ac:picMkLst>
-            <pc:docMk/>
-            <pc:sldMk cId="1501326295" sldId="275"/>
-            <ac:picMk id="13" creationId="{4F550952-D2C7-47A8-8EA4-55864EAD4F43}"/>
-          </ac:picMkLst>
-        </pc:picChg>
-        <pc:picChg chg="add mod">
-          <ac:chgData name="Ralph Eckhard" userId="9b0f3c94-7df8-4757-837c-712a118d206a" providerId="ADAL" clId="{F5919CE3-7E56-45E7-9457-E7E42FB8E002}" dt="2018-06-10T10:31:15.523" v="2187" actId="571"/>
-          <ac:picMkLst>
-            <pc:docMk/>
-            <pc:sldMk cId="1501326295" sldId="275"/>
-            <ac:picMk id="15" creationId="{E4FA29F4-8CB1-4598-B522-8D43BDBF7AA2}"/>
-          </ac:picMkLst>
-        </pc:picChg>
-        <pc:picChg chg="add mod">
-          <ac:chgData name="Ralph Eckhard" userId="9b0f3c94-7df8-4757-837c-712a118d206a" providerId="ADAL" clId="{F5919CE3-7E56-45E7-9457-E7E42FB8E002}" dt="2018-06-10T10:31:19.814" v="2189" actId="571"/>
-          <ac:picMkLst>
-            <pc:docMk/>
-            <pc:sldMk cId="1501326295" sldId="275"/>
-            <ac:picMk id="17" creationId="{EF27DFCF-D263-49A9-B745-C5FD4004C8BE}"/>
-          </ac:picMkLst>
-        </pc:picChg>
-        <pc:picChg chg="add mod">
-          <ac:chgData name="Ralph Eckhard" userId="9b0f3c94-7df8-4757-837c-712a118d206a" providerId="ADAL" clId="{F5919CE3-7E56-45E7-9457-E7E42FB8E002}" dt="2018-06-10T10:31:48.186" v="2251" actId="1038"/>
-          <ac:picMkLst>
-            <pc:docMk/>
-            <pc:sldMk cId="1501326295" sldId="275"/>
-            <ac:picMk id="18" creationId="{E317C373-6849-447B-9915-3209820A89CE}"/>
-          </ac:picMkLst>
-        </pc:picChg>
-        <pc:picChg chg="add mod">
-          <ac:chgData name="Ralph Eckhard" userId="9b0f3c94-7df8-4757-837c-712a118d206a" providerId="ADAL" clId="{F5919CE3-7E56-45E7-9457-E7E42FB8E002}" dt="2018-06-10T10:33:43.971" v="2265" actId="1076"/>
-          <ac:picMkLst>
-            <pc:docMk/>
-            <pc:sldMk cId="1501326295" sldId="275"/>
-            <ac:picMk id="19" creationId="{0D0C088D-F96F-45FA-A71F-B843F11E38D4}"/>
-          </ac:picMkLst>
-        </pc:picChg>
-        <pc:picChg chg="add mod">
-          <ac:chgData name="Ralph Eckhard" userId="9b0f3c94-7df8-4757-837c-712a118d206a" providerId="ADAL" clId="{F5919CE3-7E56-45E7-9457-E7E42FB8E002}" dt="2018-06-10T10:34:12.868" v="2272" actId="1076"/>
-          <ac:picMkLst>
-            <pc:docMk/>
-            <pc:sldMk cId="1501326295" sldId="275"/>
-            <ac:picMk id="25" creationId="{D2805276-39EA-4741-8023-9EAC8A0AF19C}"/>
-          </ac:picMkLst>
-        </pc:picChg>
-      </pc:sldChg>
-      <pc:sldChg chg="modSp add modNotesTx">
-        <pc:chgData name="Ralph Eckhard" userId="9b0f3c94-7df8-4757-837c-712a118d206a" providerId="ADAL" clId="{F5919CE3-7E56-45E7-9457-E7E42FB8E002}" dt="2018-06-11T20:00:09.383" v="6187" actId="20577"/>
-        <pc:sldMkLst>
-          <pc:docMk/>
-          <pc:sldMk cId="585434419" sldId="276"/>
-        </pc:sldMkLst>
-        <pc:spChg chg="mod">
-          <ac:chgData name="Ralph Eckhard" userId="9b0f3c94-7df8-4757-837c-712a118d206a" providerId="ADAL" clId="{F5919CE3-7E56-45E7-9457-E7E42FB8E002}" dt="2018-06-08T15:03:29.945" v="1334" actId="20577"/>
-          <ac:spMkLst>
-            <pc:docMk/>
-            <pc:sldMk cId="585434419" sldId="276"/>
-            <ac:spMk id="2" creationId="{713218BC-5691-47C6-8D12-9815AFFE8A7B}"/>
-          </ac:spMkLst>
-        </pc:spChg>
-        <pc:spChg chg="mod">
-          <ac:chgData name="Ralph Eckhard" userId="9b0f3c94-7df8-4757-837c-712a118d206a" providerId="ADAL" clId="{F5919CE3-7E56-45E7-9457-E7E42FB8E002}" dt="2018-06-08T15:05:10.719" v="1530" actId="404"/>
-          <ac:spMkLst>
-            <pc:docMk/>
-            <pc:sldMk cId="585434419" sldId="276"/>
-            <ac:spMk id="3" creationId="{FF3F90DC-D459-495E-A62D-D9E9214CFFE9}"/>
-          </ac:spMkLst>
-        </pc:spChg>
-      </pc:sldChg>
-      <pc:sldChg chg="modSp add modAnim modNotesTx">
-        <pc:chgData name="Ralph Eckhard" userId="9b0f3c94-7df8-4757-837c-712a118d206a" providerId="ADAL" clId="{F5919CE3-7E56-45E7-9457-E7E42FB8E002}" dt="2018-06-12T18:18:13.180" v="8537"/>
-        <pc:sldMkLst>
-          <pc:docMk/>
-          <pc:sldMk cId="912988777" sldId="277"/>
-        </pc:sldMkLst>
-        <pc:spChg chg="mod">
-          <ac:chgData name="Ralph Eckhard" userId="9b0f3c94-7df8-4757-837c-712a118d206a" providerId="ADAL" clId="{F5919CE3-7E56-45E7-9457-E7E42FB8E002}" dt="2018-06-08T15:08:23.800" v="1545" actId="20577"/>
-          <ac:spMkLst>
-            <pc:docMk/>
-            <pc:sldMk cId="912988777" sldId="277"/>
-            <ac:spMk id="2" creationId="{BF96A516-B8C9-4E05-B15F-AF2D854932C3}"/>
-          </ac:spMkLst>
-        </pc:spChg>
-        <pc:spChg chg="mod">
-          <ac:chgData name="Ralph Eckhard" userId="9b0f3c94-7df8-4757-837c-712a118d206a" providerId="ADAL" clId="{F5919CE3-7E56-45E7-9457-E7E42FB8E002}" dt="2018-06-08T15:09:37.404" v="1775" actId="27636"/>
-          <ac:spMkLst>
-            <pc:docMk/>
-            <pc:sldMk cId="912988777" sldId="277"/>
-            <ac:spMk id="3" creationId="{748128CC-AB4D-4DF9-BC0A-94CE0E21BE5D}"/>
-          </ac:spMkLst>
-        </pc:spChg>
-      </pc:sldChg>
-      <pc:sldChg chg="modSp add modNotesTx">
-        <pc:chgData name="Ralph Eckhard" userId="9b0f3c94-7df8-4757-837c-712a118d206a" providerId="ADAL" clId="{F5919CE3-7E56-45E7-9457-E7E42FB8E002}" dt="2018-06-11T20:08:13.993" v="7491" actId="20577"/>
-        <pc:sldMkLst>
-          <pc:docMk/>
-          <pc:sldMk cId="114090894" sldId="278"/>
-        </pc:sldMkLst>
-        <pc:spChg chg="mod">
-          <ac:chgData name="Ralph Eckhard" userId="9b0f3c94-7df8-4757-837c-712a118d206a" providerId="ADAL" clId="{F5919CE3-7E56-45E7-9457-E7E42FB8E002}" dt="2018-06-08T15:09:57.715" v="1795" actId="27636"/>
-          <ac:spMkLst>
-            <pc:docMk/>
-            <pc:sldMk cId="114090894" sldId="278"/>
-            <ac:spMk id="2" creationId="{BF96A516-B8C9-4E05-B15F-AF2D854932C3}"/>
-          </ac:spMkLst>
-        </pc:spChg>
-        <pc:spChg chg="mod">
-          <ac:chgData name="Ralph Eckhard" userId="9b0f3c94-7df8-4757-837c-712a118d206a" providerId="ADAL" clId="{F5919CE3-7E56-45E7-9457-E7E42FB8E002}" dt="2018-06-08T15:18:50.248" v="2021" actId="20577"/>
-          <ac:spMkLst>
-            <pc:docMk/>
-            <pc:sldMk cId="114090894" sldId="278"/>
-            <ac:spMk id="3" creationId="{748128CC-AB4D-4DF9-BC0A-94CE0E21BE5D}"/>
-          </ac:spMkLst>
-        </pc:spChg>
-      </pc:sldChg>
-      <pc:sldChg chg="addSp modSp add modNotesTx">
-        <pc:chgData name="Ralph Eckhard" userId="9b0f3c94-7df8-4757-837c-712a118d206a" providerId="ADAL" clId="{F5919CE3-7E56-45E7-9457-E7E42FB8E002}" dt="2018-06-11T19:58:00.765" v="6019" actId="20577"/>
-        <pc:sldMkLst>
-          <pc:docMk/>
-          <pc:sldMk cId="2599860553" sldId="279"/>
-        </pc:sldMkLst>
-        <pc:spChg chg="mod">
-          <ac:chgData name="Ralph Eckhard" userId="9b0f3c94-7df8-4757-837c-712a118d206a" providerId="ADAL" clId="{F5919CE3-7E56-45E7-9457-E7E42FB8E002}" dt="2018-06-10T10:02:25.945" v="2129" actId="27636"/>
-          <ac:spMkLst>
-            <pc:docMk/>
-            <pc:sldMk cId="2599860553" sldId="279"/>
-            <ac:spMk id="2" creationId="{2488E0D5-E6CB-4380-9B50-E68C6F92C7C4}"/>
-          </ac:spMkLst>
-        </pc:spChg>
-        <pc:graphicFrameChg chg="add mod modGraphic">
-          <ac:chgData name="Ralph Eckhard" userId="9b0f3c94-7df8-4757-837c-712a118d206a" providerId="ADAL" clId="{F5919CE3-7E56-45E7-9457-E7E42FB8E002}" dt="2018-06-11T19:57:05.779" v="5763" actId="20577"/>
-          <ac:graphicFrameMkLst>
-            <pc:docMk/>
-            <pc:sldMk cId="2599860553" sldId="279"/>
-            <ac:graphicFrameMk id="4" creationId="{BD9546DB-AC52-49ED-B253-04E881616F46}"/>
-          </ac:graphicFrameMkLst>
-        </pc:graphicFrameChg>
-      </pc:sldChg>
-      <pc:sldChg chg="addSp delSp modSp add modTransition modAnim modNotesTx">
-        <pc:chgData name="Ralph Eckhard" userId="9b0f3c94-7df8-4757-837c-712a118d206a" providerId="ADAL" clId="{F5919CE3-7E56-45E7-9457-E7E42FB8E002}" dt="2018-06-11T20:00:50.884" v="6341" actId="20577"/>
-        <pc:sldMkLst>
-          <pc:docMk/>
-          <pc:sldMk cId="1930275077" sldId="280"/>
-        </pc:sldMkLst>
-        <pc:spChg chg="add mod">
-          <ac:chgData name="Ralph Eckhard" userId="9b0f3c94-7df8-4757-837c-712a118d206a" providerId="ADAL" clId="{F5919CE3-7E56-45E7-9457-E7E42FB8E002}" dt="2018-06-10T10:44:27.781" v="2451" actId="571"/>
-          <ac:spMkLst>
-            <pc:docMk/>
-            <pc:sldMk cId="1930275077" sldId="280"/>
-            <ac:spMk id="21" creationId="{835B24BE-0E4B-40AC-99E1-FB0242D929DB}"/>
-          </ac:spMkLst>
-        </pc:spChg>
-        <pc:spChg chg="add mod">
-          <ac:chgData name="Ralph Eckhard" userId="9b0f3c94-7df8-4757-837c-712a118d206a" providerId="ADAL" clId="{F5919CE3-7E56-45E7-9457-E7E42FB8E002}" dt="2018-06-10T10:46:33.487" v="2470" actId="20577"/>
-          <ac:spMkLst>
-            <pc:docMk/>
-            <pc:sldMk cId="1930275077" sldId="280"/>
-            <ac:spMk id="24" creationId="{7419E4F6-AB4A-4E51-87EA-057D777C1C31}"/>
-          </ac:spMkLst>
-        </pc:spChg>
-        <pc:spChg chg="add mod">
-          <ac:chgData name="Ralph Eckhard" userId="9b0f3c94-7df8-4757-837c-712a118d206a" providerId="ADAL" clId="{F5919CE3-7E56-45E7-9457-E7E42FB8E002}" dt="2018-06-10T10:45:02.549" v="2455" actId="571"/>
-          <ac:spMkLst>
-            <pc:docMk/>
-            <pc:sldMk cId="1930275077" sldId="280"/>
-            <ac:spMk id="35" creationId="{BF578A17-E245-4699-93D5-DA9CCB3260BC}"/>
-          </ac:spMkLst>
-        </pc:spChg>
-        <pc:spChg chg="add mod">
-          <ac:chgData name="Ralph Eckhard" userId="9b0f3c94-7df8-4757-837c-712a118d206a" providerId="ADAL" clId="{F5919CE3-7E56-45E7-9457-E7E42FB8E002}" dt="2018-06-10T10:45:17.688" v="2456" actId="571"/>
-          <ac:spMkLst>
-            <pc:docMk/>
-            <pc:sldMk cId="1930275077" sldId="280"/>
-            <ac:spMk id="37" creationId="{9669A453-0A20-4BBF-ACD3-364DB27E3739}"/>
-          </ac:spMkLst>
-        </pc:spChg>
-        <pc:graphicFrameChg chg="mod modGraphic">
-          <ac:chgData name="Ralph Eckhard" userId="9b0f3c94-7df8-4757-837c-712a118d206a" providerId="ADAL" clId="{F5919CE3-7E56-45E7-9457-E7E42FB8E002}" dt="2018-06-10T10:49:15.625" v="2481" actId="1076"/>
-          <ac:graphicFrameMkLst>
-            <pc:docMk/>
-            <pc:sldMk cId="1930275077" sldId="280"/>
-            <ac:graphicFrameMk id="26" creationId="{32B5C923-7494-4E1C-A055-2D4C2ADE01B6}"/>
-          </ac:graphicFrameMkLst>
-        </pc:graphicFrameChg>
-        <pc:graphicFrameChg chg="add del mod modGraphic">
-          <ac:chgData name="Ralph Eckhard" userId="9b0f3c94-7df8-4757-837c-712a118d206a" providerId="ADAL" clId="{F5919CE3-7E56-45E7-9457-E7E42FB8E002}" dt="2018-06-10T10:48:54.622" v="2478" actId="478"/>
-          <ac:graphicFrameMkLst>
-            <pc:docMk/>
-            <pc:sldMk cId="1930275077" sldId="280"/>
-            <ac:graphicFrameMk id="38" creationId="{57B86A67-6E9A-4379-A456-E1193E828BC0}"/>
-          </ac:graphicFrameMkLst>
-        </pc:graphicFrameChg>
-        <pc:graphicFrameChg chg="add del mod modGraphic">
-          <ac:chgData name="Ralph Eckhard" userId="9b0f3c94-7df8-4757-837c-712a118d206a" providerId="ADAL" clId="{F5919CE3-7E56-45E7-9457-E7E42FB8E002}" dt="2018-06-10T10:48:53.136" v="2477" actId="478"/>
-          <ac:graphicFrameMkLst>
-            <pc:docMk/>
-            <pc:sldMk cId="1930275077" sldId="280"/>
-            <ac:graphicFrameMk id="39" creationId="{9EF67F0D-115E-4FF3-82AB-E4FC7056331F}"/>
-          </ac:graphicFrameMkLst>
-        </pc:graphicFrameChg>
-        <pc:picChg chg="add mod">
-          <ac:chgData name="Ralph Eckhard" userId="9b0f3c94-7df8-4757-837c-712a118d206a" providerId="ADAL" clId="{F5919CE3-7E56-45E7-9457-E7E42FB8E002}" dt="2018-06-10T10:44:27.781" v="2451" actId="571"/>
-          <ac:picMkLst>
-            <pc:docMk/>
-            <pc:sldMk cId="1930275077" sldId="280"/>
-            <ac:picMk id="20" creationId="{5A5B5D31-EF86-4EFB-B169-E12604ED5440}"/>
-          </ac:picMkLst>
-        </pc:picChg>
-        <pc:picChg chg="add mod">
-          <ac:chgData name="Ralph Eckhard" userId="9b0f3c94-7df8-4757-837c-712a118d206a" providerId="ADAL" clId="{F5919CE3-7E56-45E7-9457-E7E42FB8E002}" dt="2018-06-10T10:44:37.701" v="2453" actId="571"/>
-          <ac:picMkLst>
-            <pc:docMk/>
-            <pc:sldMk cId="1930275077" sldId="280"/>
-            <ac:picMk id="22" creationId="{C0B1F764-6941-4C13-A7DF-396959507C50}"/>
-          </ac:picMkLst>
-        </pc:picChg>
-        <pc:picChg chg="add mod">
-          <ac:chgData name="Ralph Eckhard" userId="9b0f3c94-7df8-4757-837c-712a118d206a" providerId="ADAL" clId="{F5919CE3-7E56-45E7-9457-E7E42FB8E002}" dt="2018-06-10T10:44:48.010" v="2454" actId="571"/>
-          <ac:picMkLst>
-            <pc:docMk/>
-            <pc:sldMk cId="1930275077" sldId="280"/>
-            <ac:picMk id="23" creationId="{65239C59-446B-4556-9594-F6D0630AC65A}"/>
-          </ac:picMkLst>
-        </pc:picChg>
-        <pc:picChg chg="add mod">
-          <ac:chgData name="Ralph Eckhard" userId="9b0f3c94-7df8-4757-837c-712a118d206a" providerId="ADAL" clId="{F5919CE3-7E56-45E7-9457-E7E42FB8E002}" dt="2018-06-10T10:45:02.549" v="2455" actId="571"/>
-          <ac:picMkLst>
-            <pc:docMk/>
-            <pc:sldMk cId="1930275077" sldId="280"/>
-            <ac:picMk id="33" creationId="{1936D79A-68F2-4336-89C8-25533FC40A27}"/>
-          </ac:picMkLst>
-        </pc:picChg>
-        <pc:picChg chg="add mod">
-          <ac:chgData name="Ralph Eckhard" userId="9b0f3c94-7df8-4757-837c-712a118d206a" providerId="ADAL" clId="{F5919CE3-7E56-45E7-9457-E7E42FB8E002}" dt="2018-06-10T10:45:02.549" v="2455" actId="571"/>
-          <ac:picMkLst>
-            <pc:docMk/>
-            <pc:sldMk cId="1930275077" sldId="280"/>
-            <ac:picMk id="34" creationId="{2E2EC083-C38B-405A-A2A4-2A0CFA475A1A}"/>
-          </ac:picMkLst>
-        </pc:picChg>
-        <pc:picChg chg="add mod">
-          <ac:chgData name="Ralph Eckhard" userId="9b0f3c94-7df8-4757-837c-712a118d206a" providerId="ADAL" clId="{F5919CE3-7E56-45E7-9457-E7E42FB8E002}" dt="2018-06-10T10:45:17.688" v="2456" actId="571"/>
-          <ac:picMkLst>
-            <pc:docMk/>
-            <pc:sldMk cId="1930275077" sldId="280"/>
-            <ac:picMk id="36" creationId="{BD96BA07-9C77-4BEE-9A6A-FE335668A973}"/>
-          </ac:picMkLst>
-        </pc:picChg>
-      </pc:sldChg>
-      <pc:sldChg chg="addSp modSp add modAnim modNotesTx">
-        <pc:chgData name="Ralph Eckhard" userId="9b0f3c94-7df8-4757-837c-712a118d206a" providerId="ADAL" clId="{F5919CE3-7E56-45E7-9457-E7E42FB8E002}" dt="2018-06-11T20:04:21.850" v="7016" actId="20577"/>
-        <pc:sldMkLst>
-          <pc:docMk/>
-          <pc:sldMk cId="3534733757" sldId="281"/>
-        </pc:sldMkLst>
-        <pc:graphicFrameChg chg="add mod modGraphic">
-          <ac:chgData name="Ralph Eckhard" userId="9b0f3c94-7df8-4757-837c-712a118d206a" providerId="ADAL" clId="{F5919CE3-7E56-45E7-9457-E7E42FB8E002}" dt="2018-06-10T10:52:02.725" v="2490" actId="339"/>
-          <ac:graphicFrameMkLst>
-            <pc:docMk/>
-            <pc:sldMk cId="3534733757" sldId="281"/>
-            <ac:graphicFrameMk id="38" creationId="{7C18E3CD-6751-4F35-8057-C8FF1F8DE36C}"/>
-          </ac:graphicFrameMkLst>
-        </pc:graphicFrameChg>
-        <pc:graphicFrameChg chg="add mod">
-          <ac:chgData name="Ralph Eckhard" userId="9b0f3c94-7df8-4757-837c-712a118d206a" providerId="ADAL" clId="{F5919CE3-7E56-45E7-9457-E7E42FB8E002}" dt="2018-06-10T10:51:40.492" v="2485" actId="571"/>
-          <ac:graphicFrameMkLst>
-            <pc:docMk/>
-            <pc:sldMk cId="3534733757" sldId="281"/>
-            <ac:graphicFrameMk id="40" creationId="{4449E4C5-23A2-4AEC-BE02-A279735B4691}"/>
-          </ac:graphicFrameMkLst>
-        </pc:graphicFrameChg>
-        <pc:graphicFrameChg chg="add mod modGraphic">
-          <ac:chgData name="Ralph Eckhard" userId="9b0f3c94-7df8-4757-837c-712a118d206a" providerId="ADAL" clId="{F5919CE3-7E56-45E7-9457-E7E42FB8E002}" dt="2018-06-10T10:51:55.599" v="2487" actId="339"/>
-          <ac:graphicFrameMkLst>
-            <pc:docMk/>
-            <pc:sldMk cId="3534733757" sldId="281"/>
-            <ac:graphicFrameMk id="41" creationId="{89400030-BA68-41AD-B1B2-6F88D2FF9019}"/>
-          </ac:graphicFrameMkLst>
-        </pc:graphicFrameChg>
-        <pc:picChg chg="add mod">
-          <ac:chgData name="Ralph Eckhard" userId="9b0f3c94-7df8-4757-837c-712a118d206a" providerId="ADAL" clId="{F5919CE3-7E56-45E7-9457-E7E42FB8E002}" dt="2018-06-10T10:51:40.492" v="2485" actId="571"/>
-          <ac:picMkLst>
-            <pc:docMk/>
-            <pc:sldMk cId="3534733757" sldId="281"/>
-            <ac:picMk id="39" creationId="{B87CC401-922A-47EB-85D2-50F1BA9C2557}"/>
-          </ac:picMkLst>
-        </pc:picChg>
-      </pc:sldChg>
-      <pc:sldChg chg="delSp modSp add del modAnim modNotesTx">
-        <pc:chgData name="Ralph Eckhard" userId="9b0f3c94-7df8-4757-837c-712a118d206a" providerId="ADAL" clId="{F5919CE3-7E56-45E7-9457-E7E42FB8E002}" dt="2018-06-11T20:03:56.159" v="6927" actId="20577"/>
-        <pc:sldMkLst>
-          <pc:docMk/>
-          <pc:sldMk cId="2863970565" sldId="282"/>
-        </pc:sldMkLst>
-        <pc:spChg chg="del">
-          <ac:chgData name="Ralph Eckhard" userId="9b0f3c94-7df8-4757-837c-712a118d206a" providerId="ADAL" clId="{F5919CE3-7E56-45E7-9457-E7E42FB8E002}" dt="2018-06-10T10:59:33.069" v="2503" actId="478"/>
-          <ac:spMkLst>
-            <pc:docMk/>
-            <pc:sldMk cId="2863970565" sldId="282"/>
-            <ac:spMk id="21" creationId="{835B24BE-0E4B-40AC-99E1-FB0242D929DB}"/>
-          </ac:spMkLst>
-        </pc:spChg>
-        <pc:spChg chg="del">
-          <ac:chgData name="Ralph Eckhard" userId="9b0f3c94-7df8-4757-837c-712a118d206a" providerId="ADAL" clId="{F5919CE3-7E56-45E7-9457-E7E42FB8E002}" dt="2018-06-10T10:59:33.069" v="2503" actId="478"/>
-          <ac:spMkLst>
-            <pc:docMk/>
-            <pc:sldMk cId="2863970565" sldId="282"/>
-            <ac:spMk id="24" creationId="{7419E4F6-AB4A-4E51-87EA-057D777C1C31}"/>
-          </ac:spMkLst>
-        </pc:spChg>
-        <pc:spChg chg="mod">
-          <ac:chgData name="Ralph Eckhard" userId="9b0f3c94-7df8-4757-837c-712a118d206a" providerId="ADAL" clId="{F5919CE3-7E56-45E7-9457-E7E42FB8E002}" dt="2018-06-10T10:59:45.524" v="2534" actId="20577"/>
-          <ac:spMkLst>
-            <pc:docMk/>
-            <pc:sldMk cId="2863970565" sldId="282"/>
-            <ac:spMk id="35" creationId="{BF578A17-E245-4699-93D5-DA9CCB3260BC}"/>
-          </ac:spMkLst>
-        </pc:spChg>
-        <pc:spChg chg="del">
-          <ac:chgData name="Ralph Eckhard" userId="9b0f3c94-7df8-4757-837c-712a118d206a" providerId="ADAL" clId="{F5919CE3-7E56-45E7-9457-E7E42FB8E002}" dt="2018-06-10T10:59:33.069" v="2503" actId="478"/>
-          <ac:spMkLst>
-            <pc:docMk/>
-            <pc:sldMk cId="2863970565" sldId="282"/>
-            <ac:spMk id="37" creationId="{9669A453-0A20-4BBF-ACD3-364DB27E3739}"/>
-          </ac:spMkLst>
-        </pc:spChg>
-        <pc:picChg chg="del">
-          <ac:chgData name="Ralph Eckhard" userId="9b0f3c94-7df8-4757-837c-712a118d206a" providerId="ADAL" clId="{F5919CE3-7E56-45E7-9457-E7E42FB8E002}" dt="2018-06-10T10:59:33.069" v="2503" actId="478"/>
-          <ac:picMkLst>
-            <pc:docMk/>
-            <pc:sldMk cId="2863970565" sldId="282"/>
-            <ac:picMk id="20" creationId="{5A5B5D31-EF86-4EFB-B169-E12604ED5440}"/>
-          </ac:picMkLst>
-        </pc:picChg>
-        <pc:picChg chg="del">
-          <ac:chgData name="Ralph Eckhard" userId="9b0f3c94-7df8-4757-837c-712a118d206a" providerId="ADAL" clId="{F5919CE3-7E56-45E7-9457-E7E42FB8E002}" dt="2018-06-10T10:59:33.069" v="2503" actId="478"/>
-          <ac:picMkLst>
-            <pc:docMk/>
-            <pc:sldMk cId="2863970565" sldId="282"/>
-            <ac:picMk id="23" creationId="{65239C59-446B-4556-9594-F6D0630AC65A}"/>
-          </ac:picMkLst>
-        </pc:picChg>
-        <pc:picChg chg="del">
-          <ac:chgData name="Ralph Eckhard" userId="9b0f3c94-7df8-4757-837c-712a118d206a" providerId="ADAL" clId="{F5919CE3-7E56-45E7-9457-E7E42FB8E002}" dt="2018-06-10T10:59:33.069" v="2503" actId="478"/>
-          <ac:picMkLst>
-            <pc:docMk/>
-            <pc:sldMk cId="2863970565" sldId="282"/>
-            <ac:picMk id="36" creationId="{BD96BA07-9C77-4BEE-9A6A-FE335668A973}"/>
-          </ac:picMkLst>
-        </pc:picChg>
-      </pc:sldChg>
-      <pc:sldChg chg="addSp delSp modSp add delAnim modAnim modNotesTx">
-        <pc:chgData name="Ralph Eckhard" userId="9b0f3c94-7df8-4757-837c-712a118d206a" providerId="ADAL" clId="{F5919CE3-7E56-45E7-9457-E7E42FB8E002}" dt="2018-06-11T20:04:33.074" v="7044" actId="20577"/>
-        <pc:sldMkLst>
-          <pc:docMk/>
-          <pc:sldMk cId="3565298822" sldId="283"/>
-        </pc:sldMkLst>
-        <pc:spChg chg="mod">
-          <ac:chgData name="Ralph Eckhard" userId="9b0f3c94-7df8-4757-837c-712a118d206a" providerId="ADAL" clId="{F5919CE3-7E56-45E7-9457-E7E42FB8E002}" dt="2018-06-10T11:07:40.678" v="2550" actId="20577"/>
-          <ac:spMkLst>
-            <pc:docMk/>
-            <pc:sldMk cId="3565298822" sldId="283"/>
-            <ac:spMk id="2" creationId="{BF96A516-B8C9-4E05-B15F-AF2D854932C3}"/>
-          </ac:spMkLst>
-        </pc:spChg>
-        <pc:spChg chg="mod">
-          <ac:chgData name="Ralph Eckhard" userId="9b0f3c94-7df8-4757-837c-712a118d206a" providerId="ADAL" clId="{F5919CE3-7E56-45E7-9457-E7E42FB8E002}" dt="2018-06-10T12:13:47.493" v="5208" actId="20577"/>
-          <ac:spMkLst>
-            <pc:docMk/>
-            <pc:sldMk cId="3565298822" sldId="283"/>
-            <ac:spMk id="3" creationId="{748128CC-AB4D-4DF9-BC0A-94CE0E21BE5D}"/>
-          </ac:spMkLst>
-        </pc:spChg>
-        <pc:graphicFrameChg chg="add del mod modGraphic">
-          <ac:chgData name="Ralph Eckhard" userId="9b0f3c94-7df8-4757-837c-712a118d206a" providerId="ADAL" clId="{F5919CE3-7E56-45E7-9457-E7E42FB8E002}" dt="2018-06-10T11:37:20.353" v="4646" actId="478"/>
-          <ac:graphicFrameMkLst>
-            <pc:docMk/>
-            <pc:sldMk cId="3565298822" sldId="283"/>
-            <ac:graphicFrameMk id="4" creationId="{FB73416F-CD09-4E2E-AA08-C2D717A4F3DF}"/>
-          </ac:graphicFrameMkLst>
-        </pc:graphicFrameChg>
-      </pc:sldChg>
-      <pc:sldChg chg="modSp add ord modNotesTx">
-        <pc:chgData name="Ralph Eckhard" userId="9b0f3c94-7df8-4757-837c-712a118d206a" providerId="ADAL" clId="{F5919CE3-7E56-45E7-9457-E7E42FB8E002}" dt="2018-06-12T18:05:34.475" v="8429"/>
-        <pc:sldMkLst>
-          <pc:docMk/>
-          <pc:sldMk cId="2508177298" sldId="284"/>
-        </pc:sldMkLst>
-        <pc:spChg chg="mod">
-          <ac:chgData name="Ralph Eckhard" userId="9b0f3c94-7df8-4757-837c-712a118d206a" providerId="ADAL" clId="{F5919CE3-7E56-45E7-9457-E7E42FB8E002}" dt="2018-06-10T11:09:30.750" v="2799" actId="20577"/>
-          <ac:spMkLst>
-            <pc:docMk/>
-            <pc:sldMk cId="2508177298" sldId="284"/>
-            <ac:spMk id="2" creationId="{BF96A516-B8C9-4E05-B15F-AF2D854932C3}"/>
-          </ac:spMkLst>
-        </pc:spChg>
-        <pc:spChg chg="mod">
-          <ac:chgData name="Ralph Eckhard" userId="9b0f3c94-7df8-4757-837c-712a118d206a" providerId="ADAL" clId="{F5919CE3-7E56-45E7-9457-E7E42FB8E002}" dt="2018-06-10T11:11:12.802" v="3051" actId="20577"/>
-          <ac:spMkLst>
-            <pc:docMk/>
-            <pc:sldMk cId="2508177298" sldId="284"/>
-            <ac:spMk id="3" creationId="{748128CC-AB4D-4DF9-BC0A-94CE0E21BE5D}"/>
-          </ac:spMkLst>
-        </pc:spChg>
-      </pc:sldChg>
-      <pc:sldChg chg="modSp add modAnim modNotesTx">
-        <pc:chgData name="Ralph Eckhard" userId="9b0f3c94-7df8-4757-837c-712a118d206a" providerId="ADAL" clId="{F5919CE3-7E56-45E7-9457-E7E42FB8E002}" dt="2018-06-12T18:20:35.999" v="8546"/>
-        <pc:sldMkLst>
-          <pc:docMk/>
-          <pc:sldMk cId="2215750317" sldId="285"/>
-        </pc:sldMkLst>
-        <pc:spChg chg="mod">
-          <ac:chgData name="Ralph Eckhard" userId="9b0f3c94-7df8-4757-837c-712a118d206a" providerId="ADAL" clId="{F5919CE3-7E56-45E7-9457-E7E42FB8E002}" dt="2018-06-10T11:12:06.892" v="3088" actId="20577"/>
-          <ac:spMkLst>
-            <pc:docMk/>
-            <pc:sldMk cId="2215750317" sldId="285"/>
-            <ac:spMk id="2" creationId="{78471A11-2910-4C7A-B014-24C3C401AF30}"/>
-          </ac:spMkLst>
-        </pc:spChg>
-        <pc:spChg chg="mod">
-          <ac:chgData name="Ralph Eckhard" userId="9b0f3c94-7df8-4757-837c-712a118d206a" providerId="ADAL" clId="{F5919CE3-7E56-45E7-9457-E7E42FB8E002}" dt="2018-06-12T18:19:51.485" v="8543" actId="6549"/>
-          <ac:spMkLst>
-            <pc:docMk/>
-            <pc:sldMk cId="2215750317" sldId="285"/>
-            <ac:spMk id="3" creationId="{1FE4C4EE-4746-4C92-AB14-3808A82F6EA0}"/>
-          </ac:spMkLst>
-        </pc:spChg>
-      </pc:sldChg>
-      <pc:sldChg chg="modSp add ord modNotesTx">
-        <pc:chgData name="Ralph Eckhard" userId="9b0f3c94-7df8-4757-837c-712a118d206a" providerId="ADAL" clId="{F5919CE3-7E56-45E7-9457-E7E42FB8E002}" dt="2018-06-11T20:10:06.318" v="7941" actId="20577"/>
-        <pc:sldMkLst>
-          <pc:docMk/>
-          <pc:sldMk cId="56539667" sldId="286"/>
-        </pc:sldMkLst>
-        <pc:spChg chg="mod">
-          <ac:chgData name="Ralph Eckhard" userId="9b0f3c94-7df8-4757-837c-712a118d206a" providerId="ADAL" clId="{F5919CE3-7E56-45E7-9457-E7E42FB8E002}" dt="2018-06-10T11:21:29.702" v="3445" actId="20577"/>
-          <ac:spMkLst>
-            <pc:docMk/>
-            <pc:sldMk cId="56539667" sldId="286"/>
-            <ac:spMk id="2" creationId="{B21F76F3-3511-4CD3-BB83-6D49DA6E6E8D}"/>
-          </ac:spMkLst>
-        </pc:spChg>
-        <pc:spChg chg="mod">
-          <ac:chgData name="Ralph Eckhard" userId="9b0f3c94-7df8-4757-837c-712a118d206a" providerId="ADAL" clId="{F5919CE3-7E56-45E7-9457-E7E42FB8E002}" dt="2018-06-10T11:24:43.634" v="3809" actId="255"/>
-          <ac:spMkLst>
-            <pc:docMk/>
-            <pc:sldMk cId="56539667" sldId="286"/>
-            <ac:spMk id="3" creationId="{36B7BF61-754A-4269-B935-50336C18E983}"/>
-          </ac:spMkLst>
-        </pc:spChg>
-      </pc:sldChg>
-      <pc:sldChg chg="modSp add ord modNotesTx">
-        <pc:chgData name="Ralph Eckhard" userId="9b0f3c94-7df8-4757-837c-712a118d206a" providerId="ADAL" clId="{F5919CE3-7E56-45E7-9457-E7E42FB8E002}" dt="2018-06-11T20:10:30.298" v="8020" actId="20577"/>
-        <pc:sldMkLst>
-          <pc:docMk/>
-          <pc:sldMk cId="46766556" sldId="287"/>
-        </pc:sldMkLst>
-        <pc:spChg chg="mod">
-          <ac:chgData name="Ralph Eckhard" userId="9b0f3c94-7df8-4757-837c-712a118d206a" providerId="ADAL" clId="{F5919CE3-7E56-45E7-9457-E7E42FB8E002}" dt="2018-06-10T11:21:39.198" v="3460" actId="20577"/>
-          <ac:spMkLst>
-            <pc:docMk/>
-            <pc:sldMk cId="46766556" sldId="287"/>
-            <ac:spMk id="2" creationId="{B21F76F3-3511-4CD3-BB83-6D49DA6E6E8D}"/>
-          </ac:spMkLst>
-        </pc:spChg>
-        <pc:spChg chg="mod">
-          <ac:chgData name="Ralph Eckhard" userId="9b0f3c94-7df8-4757-837c-712a118d206a" providerId="ADAL" clId="{F5919CE3-7E56-45E7-9457-E7E42FB8E002}" dt="2018-06-10T11:27:31.710" v="4029" actId="255"/>
-          <ac:spMkLst>
-            <pc:docMk/>
-            <pc:sldMk cId="46766556" sldId="287"/>
-            <ac:spMk id="3" creationId="{36B7BF61-754A-4269-B935-50336C18E983}"/>
-          </ac:spMkLst>
-        </pc:spChg>
-      </pc:sldChg>
-      <pc:sldChg chg="modSp add">
-        <pc:chgData name="Ralph Eckhard" userId="9b0f3c94-7df8-4757-837c-712a118d206a" providerId="ADAL" clId="{F5919CE3-7E56-45E7-9457-E7E42FB8E002}" dt="2018-06-10T11:35:08.044" v="4641" actId="27636"/>
-        <pc:sldMkLst>
-          <pc:docMk/>
-          <pc:sldMk cId="1220108832" sldId="288"/>
-        </pc:sldMkLst>
-        <pc:spChg chg="mod">
-          <ac:chgData name="Ralph Eckhard" userId="9b0f3c94-7df8-4757-837c-712a118d206a" providerId="ADAL" clId="{F5919CE3-7E56-45E7-9457-E7E42FB8E002}" dt="2018-06-10T11:33:46.580" v="4364" actId="20577"/>
-          <ac:spMkLst>
-            <pc:docMk/>
-            <pc:sldMk cId="1220108832" sldId="288"/>
-            <ac:spMk id="2" creationId="{5FEBDD95-C27E-4F2F-A3B9-013452436FD4}"/>
-          </ac:spMkLst>
-        </pc:spChg>
-        <pc:spChg chg="mod">
-          <ac:chgData name="Ralph Eckhard" userId="9b0f3c94-7df8-4757-837c-712a118d206a" providerId="ADAL" clId="{F5919CE3-7E56-45E7-9457-E7E42FB8E002}" dt="2018-06-10T11:35:08.044" v="4641" actId="27636"/>
-          <ac:spMkLst>
-            <pc:docMk/>
-            <pc:sldMk cId="1220108832" sldId="288"/>
-            <ac:spMk id="3" creationId="{EFB76806-C0AF-412A-BBB8-41E8AADE725C}"/>
-          </ac:spMkLst>
-        </pc:spChg>
-      </pc:sldChg>
-      <pc:sldChg chg="addSp delSp modSp add modNotesTx">
-        <pc:chgData name="Ralph Eckhard" userId="9b0f3c94-7df8-4757-837c-712a118d206a" providerId="ADAL" clId="{F5919CE3-7E56-45E7-9457-E7E42FB8E002}" dt="2018-06-11T20:10:46.550" v="8098" actId="20577"/>
-        <pc:sldMkLst>
-          <pc:docMk/>
-          <pc:sldMk cId="1627722744" sldId="289"/>
-        </pc:sldMkLst>
-        <pc:spChg chg="mod">
-          <ac:chgData name="Ralph Eckhard" userId="9b0f3c94-7df8-4757-837c-712a118d206a" providerId="ADAL" clId="{F5919CE3-7E56-45E7-9457-E7E42FB8E002}" dt="2018-06-10T11:39:24.527" v="4667" actId="20577"/>
-          <ac:spMkLst>
-            <pc:docMk/>
-            <pc:sldMk cId="1627722744" sldId="289"/>
-            <ac:spMk id="2" creationId="{49BB2CE0-C942-4076-85AE-6D7390B71CA9}"/>
-          </ac:spMkLst>
-        </pc:spChg>
-        <pc:spChg chg="del">
-          <ac:chgData name="Ralph Eckhard" userId="9b0f3c94-7df8-4757-837c-712a118d206a" providerId="ADAL" clId="{F5919CE3-7E56-45E7-9457-E7E42FB8E002}" dt="2018-06-10T11:39:39.578" v="4668" actId="478"/>
-          <ac:spMkLst>
-            <pc:docMk/>
-            <pc:sldMk cId="1627722744" sldId="289"/>
-            <ac:spMk id="3" creationId="{A4199EED-91D6-4685-8F56-3528237B56AC}"/>
-          </ac:spMkLst>
-        </pc:spChg>
-        <pc:spChg chg="add mod">
-          <ac:chgData name="Ralph Eckhard" userId="9b0f3c94-7df8-4757-837c-712a118d206a" providerId="ADAL" clId="{F5919CE3-7E56-45E7-9457-E7E42FB8E002}" dt="2018-06-10T11:40:51.829" v="4929" actId="20577"/>
-          <ac:spMkLst>
-            <pc:docMk/>
-            <pc:sldMk cId="1627722744" sldId="289"/>
-            <ac:spMk id="4" creationId="{15602523-9095-41EB-B546-58537B6D2217}"/>
-          </ac:spMkLst>
-        </pc:spChg>
-        <pc:spChg chg="add mod">
-          <ac:chgData name="Ralph Eckhard" userId="9b0f3c94-7df8-4757-837c-712a118d206a" providerId="ADAL" clId="{F5919CE3-7E56-45E7-9457-E7E42FB8E002}" dt="2018-06-10T11:42:17.631" v="5199" actId="1036"/>
-          <ac:spMkLst>
-            <pc:docMk/>
-            <pc:sldMk cId="1627722744" sldId="289"/>
-            <ac:spMk id="5" creationId="{7CAB27F1-3BC2-48A5-A0BB-BE2F1AE53B5A}"/>
-          </ac:spMkLst>
-        </pc:spChg>
-      </pc:sldChg>
-      <pc:sldChg chg="modSp add modNotesTx">
-        <pc:chgData name="Ralph Eckhard" userId="9b0f3c94-7df8-4757-837c-712a118d206a" providerId="ADAL" clId="{F5919CE3-7E56-45E7-9457-E7E42FB8E002}" dt="2018-06-11T19:59:33.465" v="6109" actId="20577"/>
-        <pc:sldMkLst>
-          <pc:docMk/>
-          <pc:sldMk cId="999519812" sldId="290"/>
-        </pc:sldMkLst>
-        <pc:spChg chg="mod">
-          <ac:chgData name="Ralph Eckhard" userId="9b0f3c94-7df8-4757-837c-712a118d206a" providerId="ADAL" clId="{F5919CE3-7E56-45E7-9457-E7E42FB8E002}" dt="2018-06-11T19:59:33.465" v="6109" actId="20577"/>
-          <ac:spMkLst>
-            <pc:docMk/>
-            <pc:sldMk cId="999519812" sldId="290"/>
-            <ac:spMk id="3" creationId="{FF979998-ABBC-9847-858B-66CE93666F20}"/>
-          </ac:spMkLst>
-        </pc:spChg>
-      </pc:sldChg>
-      <pc:sldChg chg="modSp add modNotesTx">
-        <pc:chgData name="Ralph Eckhard" userId="9b0f3c94-7df8-4757-837c-712a118d206a" providerId="ADAL" clId="{F5919CE3-7E56-45E7-9457-E7E42FB8E002}" dt="2018-06-11T19:59:39.113" v="6110" actId="6549"/>
-        <pc:sldMkLst>
-          <pc:docMk/>
-          <pc:sldMk cId="576134181" sldId="291"/>
-        </pc:sldMkLst>
-        <pc:spChg chg="mod">
-          <ac:chgData name="Ralph Eckhard" userId="9b0f3c94-7df8-4757-837c-712a118d206a" providerId="ADAL" clId="{F5919CE3-7E56-45E7-9457-E7E42FB8E002}" dt="2018-06-11T19:59:22.483" v="6088" actId="20577"/>
-          <ac:spMkLst>
-            <pc:docMk/>
-            <pc:sldMk cId="576134181" sldId="291"/>
-            <ac:spMk id="3" creationId="{FF979998-ABBC-9847-858B-66CE93666F20}"/>
-          </ac:spMkLst>
-        </pc:spChg>
-      </pc:sldChg>
-      <pc:sldChg chg="addSp modSp add modAnim modNotesTx">
-        <pc:chgData name="Ralph Eckhard" userId="9b0f3c94-7df8-4757-837c-712a118d206a" providerId="ADAL" clId="{F5919CE3-7E56-45E7-9457-E7E42FB8E002}" dt="2018-06-12T18:14:44.130" v="8532" actId="6549"/>
-        <pc:sldMkLst>
-          <pc:docMk/>
-          <pc:sldMk cId="89758807" sldId="293"/>
-        </pc:sldMkLst>
-        <pc:spChg chg="mod">
-          <ac:chgData name="Ralph Eckhard" userId="9b0f3c94-7df8-4757-837c-712a118d206a" providerId="ADAL" clId="{F5919CE3-7E56-45E7-9457-E7E42FB8E002}" dt="2018-06-12T18:11:21.283" v="8515" actId="20577"/>
-          <ac:spMkLst>
-            <pc:docMk/>
-            <pc:sldMk cId="89758807" sldId="293"/>
-            <ac:spMk id="3" creationId="{FF979998-ABBC-9847-858B-66CE93666F20}"/>
-          </ac:spMkLst>
-        </pc:spChg>
-        <pc:picChg chg="add mod">
-          <ac:chgData name="Ralph Eckhard" userId="9b0f3c94-7df8-4757-837c-712a118d206a" providerId="ADAL" clId="{F5919CE3-7E56-45E7-9457-E7E42FB8E002}" dt="2018-06-12T18:13:35.657" v="8528" actId="1076"/>
-          <ac:picMkLst>
-            <pc:docMk/>
-            <pc:sldMk cId="89758807" sldId="293"/>
-            <ac:picMk id="4" creationId="{ABC52808-95D9-4027-A589-816DEE2AE880}"/>
-          </ac:picMkLst>
-        </pc:picChg>
-      </pc:sldChg>
-      <pc:sldChg chg="modSp add modTransition modAnim">
-        <pc:chgData name="Ralph Eckhard" userId="9b0f3c94-7df8-4757-837c-712a118d206a" providerId="ADAL" clId="{F5919CE3-7E56-45E7-9457-E7E42FB8E002}" dt="2018-06-12T18:19:13.741" v="8539"/>
-        <pc:sldMkLst>
-          <pc:docMk/>
-          <pc:sldMk cId="3780409330" sldId="294"/>
-        </pc:sldMkLst>
-        <pc:spChg chg="mod">
-          <ac:chgData name="Ralph Eckhard" userId="9b0f3c94-7df8-4757-837c-712a118d206a" providerId="ADAL" clId="{F5919CE3-7E56-45E7-9457-E7E42FB8E002}" dt="2018-06-12T18:17:24.797" v="8536" actId="207"/>
-          <ac:spMkLst>
-            <pc:docMk/>
-            <pc:sldMk cId="3780409330" sldId="294"/>
-            <ac:spMk id="3" creationId="{748128CC-AB4D-4DF9-BC0A-94CE0E21BE5D}"/>
-          </ac:spMkLst>
-        </pc:spChg>
-      </pc:sldChg>
-      <pc:sldChg chg="modSp add ord modNotesTx">
-        <pc:chgData name="Ralph Eckhard" userId="9b0f3c94-7df8-4757-837c-712a118d206a" providerId="ADAL" clId="{F5919CE3-7E56-45E7-9457-E7E42FB8E002}" dt="2018-06-19T08:18:57.013" v="8592" actId="20577"/>
-        <pc:sldMkLst>
-          <pc:docMk/>
-          <pc:sldMk cId="3672645671" sldId="295"/>
-        </pc:sldMkLst>
-        <pc:spChg chg="mod">
-          <ac:chgData name="Ralph Eckhard" userId="9b0f3c94-7df8-4757-837c-712a118d206a" providerId="ADAL" clId="{F5919CE3-7E56-45E7-9457-E7E42FB8E002}" dt="2018-06-18T20:13:52.732" v="8548" actId="207"/>
-          <ac:spMkLst>
-            <pc:docMk/>
-            <pc:sldMk cId="3672645671" sldId="295"/>
-            <ac:spMk id="3" creationId="{00000000-0000-0000-0000-000000000000}"/>
-          </ac:spMkLst>
-        </pc:spChg>
-      </pc:sldChg>
-    </pc:docChg>
-  </pc:docChgLst>
-</pc:chgInfo>
 </file>
 
 <file path=ppt/handoutMasters/handoutMaster1.xml><?xml version="1.0" encoding="utf-8"?>
@@ -1748,18 +722,6 @@
           <a:bodyPr/>
           <a:lstStyle/>
           <a:p>
-            <a:r>
-              <a:rPr lang="en-GB" dirty="0"/>
-              <a:t>Basic overview of </a:t>
-            </a:r>
-            <a:r>
-              <a:rPr lang="en-GB" dirty="0" err="1"/>
-              <a:t>SfB</a:t>
-            </a:r>
-            <a:r>
-              <a:rPr lang="en-GB" dirty="0"/>
-              <a:t> services in O365. Note that PSTN is always an add-on. Next slide for table version.</a:t>
-            </a:r>
             <a:endParaRPr lang="nl-NL" dirty="0"/>
           </a:p>
         </p:txBody>
@@ -1844,58 +806,6 @@
           <a:bodyPr/>
           <a:lstStyle/>
           <a:p>
-            <a:r>
-              <a:rPr lang="en-GB" dirty="0"/>
-              <a:t>3 types of users: full cloud.</a:t>
-            </a:r>
-          </a:p>
-          <a:p>
-            <a:r>
-              <a:rPr lang="en-GB" dirty="0"/>
-              <a:t>1 – Hybrid user. Homed on O365 but gets PSTN through </a:t>
-            </a:r>
-            <a:r>
-              <a:rPr lang="en-GB" dirty="0" err="1"/>
-              <a:t>SfB</a:t>
-            </a:r>
-            <a:r>
-              <a:rPr lang="en-GB" dirty="0"/>
-              <a:t> server</a:t>
-            </a:r>
-          </a:p>
-          <a:p>
-            <a:r>
-              <a:rPr lang="en-GB" dirty="0"/>
-              <a:t>2 – Full cloud: like 1</a:t>
-            </a:r>
-            <a:r>
-              <a:rPr lang="en-GB" baseline="30000" dirty="0"/>
-              <a:t>st</a:t>
-            </a:r>
-            <a:r>
-              <a:rPr lang="en-GB" dirty="0"/>
-              <a:t> slide</a:t>
-            </a:r>
-          </a:p>
-          <a:p>
-            <a:r>
-              <a:rPr lang="en-GB" dirty="0"/>
-              <a:t>3 – Full on-prem. </a:t>
-            </a:r>
-          </a:p>
-          <a:p>
-            <a:r>
-              <a:rPr lang="en-GB" dirty="0"/>
-              <a:t>You can move users from on-prem to O365 and eventually decommission </a:t>
-            </a:r>
-            <a:r>
-              <a:rPr lang="en-GB" dirty="0" err="1"/>
-              <a:t>SfB</a:t>
-            </a:r>
-            <a:r>
-              <a:rPr lang="en-GB" dirty="0"/>
-              <a:t> on-prem.</a:t>
-            </a:r>
             <a:endParaRPr lang="nl-NL" dirty="0"/>
           </a:p>
         </p:txBody>
@@ -1979,42 +889,6 @@
         <p:txBody>
           <a:bodyPr/>
           <a:lstStyle/>
-          <a:p>
-            <a:r>
-              <a:rPr lang="en-GB" dirty="0"/>
-              <a:t>Replace on-prem infra with CCE. Two types of user now:</a:t>
-            </a:r>
-          </a:p>
-          <a:p>
-            <a:r>
-              <a:rPr lang="en-GB" dirty="0"/>
-              <a:t>1 – On-prem user disappears</a:t>
-            </a:r>
-          </a:p>
-          <a:p>
-            <a:r>
-              <a:rPr lang="en-GB" dirty="0"/>
-              <a:t>2 – full cloud</a:t>
-            </a:r>
-          </a:p>
-          <a:p>
-            <a:r>
-              <a:rPr lang="en-GB" dirty="0"/>
-              <a:t>3 – ‘hybrid’ guy. Homed in O365 but gets PSTN through CCE.</a:t>
-            </a:r>
-          </a:p>
-          <a:p>
-            <a:r>
-              <a:rPr lang="en-GB" dirty="0"/>
-              <a:t>This means you can migrate from CCE to O365. Might be good scenario for countries that currently don’t have calling plan avail.</a:t>
-            </a:r>
-          </a:p>
-          <a:p>
-            <a:r>
-              <a:rPr lang="en-GB" dirty="0"/>
-              <a:t>When CCE is decommissioned, move it to another country or location.</a:t>
-            </a:r>
-          </a:p>
           <a:p>
             <a:endParaRPr lang="nl-NL" dirty="0"/>
           </a:p>
@@ -2100,18 +974,6 @@
           <a:bodyPr/>
           <a:lstStyle/>
           <a:p>
-            <a:r>
-              <a:rPr lang="en-GB" dirty="0"/>
-              <a:t>Overview of CCE</a:t>
-            </a:r>
-          </a:p>
-          <a:p>
-            <a:r>
-              <a:rPr lang="en-GB" dirty="0"/>
-              <a:t>CMS = central management store</a:t>
-            </a:r>
-          </a:p>
-          <a:p>
             <a:endParaRPr lang="nl-NL" dirty="0"/>
           </a:p>
         </p:txBody>
@@ -2196,10 +1058,6 @@
           <a:bodyPr/>
           <a:lstStyle/>
           <a:p>
-            <a:r>
-              <a:rPr lang="en-GB" dirty="0"/>
-              <a:t>Overview of hybrid setup. </a:t>
-            </a:r>
             <a:endParaRPr lang="nl-NL" dirty="0"/>
           </a:p>
         </p:txBody>
@@ -2283,12 +1141,6 @@
         <p:txBody>
           <a:bodyPr/>
           <a:lstStyle/>
-          <a:p>
-            <a:r>
-              <a:rPr lang="en-GB" dirty="0"/>
-              <a:t>Full cloud. New number acquisition not simple when you’re in NL.</a:t>
-            </a:r>
-          </a:p>
           <a:p>
             <a:endParaRPr lang="nl-NL" dirty="0"/>
           </a:p>
@@ -2374,12 +1226,6 @@
           <a:bodyPr/>
           <a:lstStyle/>
           <a:p>
-            <a:r>
-              <a:rPr lang="en-GB" dirty="0"/>
-              <a:t>Full cloud. New number acquisition not simple when you’re in NL.</a:t>
-            </a:r>
-          </a:p>
-          <a:p>
             <a:endParaRPr lang="nl-NL" dirty="0"/>
           </a:p>
         </p:txBody>
@@ -2464,24 +1310,6 @@
           <a:bodyPr/>
           <a:lstStyle/>
           <a:p>
-            <a:r>
-              <a:rPr lang="en-GB" dirty="0"/>
-              <a:t>Ways to choose: if you currently have </a:t>
-            </a:r>
-            <a:r>
-              <a:rPr lang="en-GB" dirty="0" err="1"/>
-              <a:t>SfB</a:t>
-            </a:r>
-            <a:r>
-              <a:rPr lang="en-GB" dirty="0"/>
-              <a:t> on-prem, only option is hybrid. </a:t>
-            </a:r>
-          </a:p>
-          <a:p>
-            <a:r>
-              <a:rPr lang="en-GB" dirty="0"/>
-              <a:t>If you don’t have SFB: full cloud will be best option. For local PSTN break-out, go CCE. Of you need full API, call recording, etc., go hybrid.</a:t>
-            </a:r>
             <a:endParaRPr lang="nl-NL" dirty="0"/>
           </a:p>
         </p:txBody>
@@ -2565,18 +1393,6 @@
         <p:txBody>
           <a:bodyPr/>
           <a:lstStyle/>
-          <a:p>
-            <a:r>
-              <a:rPr lang="en-GB" dirty="0"/>
-              <a:t>Current plans in NL.</a:t>
-            </a:r>
-          </a:p>
-          <a:p>
-            <a:r>
-              <a:rPr lang="en-GB" dirty="0"/>
-              <a:t>1200 mins domestic, 600 international.</a:t>
-            </a:r>
-          </a:p>
           <a:p>
             <a:endParaRPr lang="nl-NL" dirty="0"/>
           </a:p>
@@ -2662,22 +1478,6 @@
           <a:bodyPr/>
           <a:lstStyle/>
           <a:p>
-            <a:r>
-              <a:rPr lang="en-GB" dirty="0"/>
-              <a:t>Demo: create user in portal (show). Request NL number (doesn’t work). Show call queue in portal. Create AA in portal.</a:t>
-            </a:r>
-          </a:p>
-          <a:p>
-            <a:r>
-              <a:rPr lang="en-GB" dirty="0" err="1"/>
-              <a:t>Powershell</a:t>
-            </a:r>
-            <a:r>
-              <a:rPr lang="en-GB" dirty="0"/>
-              <a:t>: create user and assign license. Request number and assign to user. Create queue and demonstrate. Show code for creating AA. </a:t>
-            </a:r>
-          </a:p>
-          <a:p>
             <a:endParaRPr lang="nl-NL" dirty="0"/>
           </a:p>
         </p:txBody>
@@ -2761,12 +1561,6 @@
         <p:txBody>
           <a:bodyPr/>
           <a:lstStyle/>
-          <a:p>
-            <a:r>
-              <a:rPr lang="en-GB" dirty="0"/>
-              <a:t>Recap of what was shown: call queue functionality. Note: need service number for this!</a:t>
-            </a:r>
-          </a:p>
           <a:p>
             <a:endParaRPr lang="nl-NL" dirty="0"/>
           </a:p>
@@ -2852,36 +1646,6 @@
           <a:bodyPr/>
           <a:lstStyle/>
           <a:p>
-            <a:r>
-              <a:rPr lang="en-GB" dirty="0"/>
-              <a:t>Cloud PBX: phone system</a:t>
-            </a:r>
-          </a:p>
-          <a:p>
-            <a:r>
-              <a:rPr lang="en-GB" dirty="0"/>
-              <a:t>Conferencing: no cloud </a:t>
-            </a:r>
-            <a:r>
-              <a:rPr lang="en-GB" dirty="0" err="1"/>
-              <a:t>pbx</a:t>
-            </a:r>
-            <a:r>
-              <a:rPr lang="en-GB" dirty="0"/>
-              <a:t> needed for this. Dial-in and dial-out (local to country without per-minute charges)</a:t>
-            </a:r>
-          </a:p>
-          <a:p>
-            <a:r>
-              <a:rPr lang="en-GB" dirty="0"/>
-              <a:t>Calling: User numbers. Always an add-on. Can’t get user phone numbers without this license. </a:t>
-            </a:r>
-          </a:p>
-          <a:p>
-            <a:r>
-              <a:rPr lang="en-GB" dirty="0"/>
-              <a:t>Communication credits are for calling charges not covered by PSTN calling plan. </a:t>
-            </a:r>
             <a:endParaRPr lang="nl-NL" dirty="0"/>
           </a:p>
         </p:txBody>
@@ -3050,18 +1814,6 @@
           <a:bodyPr/>
           <a:lstStyle/>
           <a:p>
-            <a:r>
-              <a:rPr lang="en-GB" dirty="0"/>
-              <a:t>AA: need service number!</a:t>
-            </a:r>
-          </a:p>
-          <a:p>
-            <a:r>
-              <a:rPr lang="en-GB" dirty="0"/>
-              <a:t>If your hybrid, these should be 100% cloud.</a:t>
-            </a:r>
-          </a:p>
-          <a:p>
             <a:endParaRPr lang="en-GB" dirty="0"/>
           </a:p>
         </p:txBody>
@@ -3145,18 +1897,6 @@
         <p:txBody>
           <a:bodyPr/>
           <a:lstStyle/>
-          <a:p>
-            <a:r>
-              <a:rPr lang="en-GB" dirty="0"/>
-              <a:t>Core functionality. Recap of what was shown.</a:t>
-            </a:r>
-          </a:p>
-          <a:p>
-            <a:r>
-              <a:rPr lang="en-GB" dirty="0"/>
-              <a:t>Any questions?</a:t>
-            </a:r>
-          </a:p>
           <a:p>
             <a:endParaRPr lang="nl-NL" dirty="0"/>
           </a:p>
@@ -3242,10 +1982,6 @@
           <a:bodyPr/>
           <a:lstStyle/>
           <a:p>
-            <a:r>
-              <a:rPr lang="en-GB"/>
-              <a:t>Relevant information</a:t>
-            </a:r>
             <a:endParaRPr lang="nl-NL" dirty="0"/>
           </a:p>
         </p:txBody>
@@ -3330,18 +2066,6 @@
           <a:bodyPr/>
           <a:lstStyle/>
           <a:p>
-            <a:r>
-              <a:rPr lang="en-GB" dirty="0"/>
-              <a:t>If you would like to start using </a:t>
-            </a:r>
-            <a:r>
-              <a:rPr lang="en-GB" dirty="0" err="1"/>
-              <a:t>SfB</a:t>
-            </a:r>
-            <a:r>
-              <a:rPr lang="en-GB" dirty="0"/>
-              <a:t> Cloud PBX, visit this session by Steven to learn about network consideration and implications, to ensure call quality. </a:t>
-            </a:r>
             <a:endParaRPr lang="nl-NL" dirty="0"/>
           </a:p>
         </p:txBody>
@@ -3425,12 +2149,6 @@
         <p:txBody>
           <a:bodyPr/>
           <a:lstStyle/>
-          <a:p>
-            <a:r>
-              <a:rPr lang="en-GB" dirty="0"/>
-              <a:t>Next session in Office 365 track by Marcel Alberts.</a:t>
-            </a:r>
-          </a:p>
           <a:p>
             <a:endParaRPr lang="nl-NL" dirty="0"/>
           </a:p>
@@ -3516,30 +2234,6 @@
           <a:bodyPr/>
           <a:lstStyle/>
           <a:p>
-            <a:r>
-              <a:rPr lang="en-GB" dirty="0"/>
-              <a:t>PSTN conf: local numbers in 90+ countries. Not all countries can sell this, </a:t>
-            </a:r>
-            <a:r>
-              <a:rPr lang="en-GB" dirty="0" err="1"/>
-              <a:t>depens</a:t>
-            </a:r>
-            <a:r>
-              <a:rPr lang="en-GB" dirty="0"/>
-              <a:t> on tenant location.</a:t>
-            </a:r>
-          </a:p>
-          <a:p>
-            <a:r>
-              <a:rPr lang="en-GB" dirty="0"/>
-              <a:t>PSTN calling: limited availability due to country regulations. Constantly increasing.</a:t>
-            </a:r>
-          </a:p>
-          <a:p>
-            <a:r>
-              <a:rPr lang="en-GB" dirty="0"/>
-              <a:t>BYO PSTN: cloud connector edition. </a:t>
-            </a:r>
             <a:endParaRPr lang="nl-NL" dirty="0"/>
           </a:p>
         </p:txBody>
@@ -3707,12 +2401,6 @@
         <p:txBody>
           <a:bodyPr/>
           <a:lstStyle/>
-          <a:p>
-            <a:r>
-              <a:rPr lang="en-GB" dirty="0"/>
-              <a:t>Demo of conferencing setup for user and meeting info.</a:t>
-            </a:r>
-          </a:p>
           <a:p>
             <a:endParaRPr lang="nl-NL" dirty="0"/>
           </a:p>
@@ -3882,26 +2570,6 @@
           <a:bodyPr/>
           <a:lstStyle/>
           <a:p>
-            <a:r>
-              <a:rPr lang="en-GB" dirty="0"/>
-              <a:t>1 option for full cloud: PSTN Calling.</a:t>
-            </a:r>
-          </a:p>
-          <a:p>
-            <a:r>
-              <a:rPr lang="en-GB" dirty="0"/>
-              <a:t>2 options for BYO: </a:t>
-            </a:r>
-            <a:r>
-              <a:rPr lang="en-GB" dirty="0" err="1"/>
-              <a:t>SfB</a:t>
-            </a:r>
-            <a:r>
-              <a:rPr lang="en-GB" dirty="0"/>
-              <a:t> on-prem or CCE</a:t>
-            </a:r>
-          </a:p>
-          <a:p>
             <a:endParaRPr lang="nl-NL" dirty="0"/>
           </a:p>
         </p:txBody>
@@ -3986,10 +2654,6 @@
           <a:bodyPr/>
           <a:lstStyle/>
           <a:p>
-            <a:r>
-              <a:rPr lang="en-GB" dirty="0"/>
-              <a:t>Full cloud deployment: only thing on prem is the user. Everything else hosted in the cloud.</a:t>
-            </a:r>
             <a:endParaRPr lang="nl-NL" dirty="0"/>
           </a:p>
         </p:txBody>
@@ -4074,10 +2738,6 @@
           <a:bodyPr/>
           <a:lstStyle/>
           <a:p>
-            <a:r>
-              <a:rPr lang="en-GB" dirty="0"/>
-              <a:t>Next: bring in some on-prem infra: full hybrid.</a:t>
-            </a:r>
             <a:endParaRPr lang="nl-NL" dirty="0"/>
           </a:p>
         </p:txBody>
